--- a/ppt 16-9/1337.愿神怜悯.pptx
+++ b/ppt 16-9/1337.愿神怜悯.pptx
@@ -129,7 +129,7 @@
           <p:cNvPr id="2" name="标题 1">
             <a:extLst>
               <a:ext uri="{FF2B5EF4-FFF2-40B4-BE49-F238E27FC236}">
-                <a16:creationId xmlns:a16="http://schemas.microsoft.com/office/drawing/2014/main" id="{99BDE58B-4E45-1AE8-66E8-1B1C198309C7}"/>
+                <a16:creationId xmlns:a16="http://schemas.microsoft.com/office/drawing/2014/main" id="{E45BEEE4-1F2C-3865-CDEB-88B7721B0EAA}"/>
               </a:ext>
             </a:extLst>
           </p:cNvPr>
@@ -166,7 +166,7 @@
           <p:cNvPr id="3" name="副标题 2">
             <a:extLst>
               <a:ext uri="{FF2B5EF4-FFF2-40B4-BE49-F238E27FC236}">
-                <a16:creationId xmlns:a16="http://schemas.microsoft.com/office/drawing/2014/main" id="{A66ABF1C-0B78-C205-8454-7854F75BDD11}"/>
+                <a16:creationId xmlns:a16="http://schemas.microsoft.com/office/drawing/2014/main" id="{26556191-12DD-58E0-3780-511A54FB5863}"/>
               </a:ext>
             </a:extLst>
           </p:cNvPr>
@@ -236,7 +236,7 @@
           <p:cNvPr id="4" name="日期占位符 3">
             <a:extLst>
               <a:ext uri="{FF2B5EF4-FFF2-40B4-BE49-F238E27FC236}">
-                <a16:creationId xmlns:a16="http://schemas.microsoft.com/office/drawing/2014/main" id="{45442F9F-A4F6-3E31-E74F-1890ADFD1F59}"/>
+                <a16:creationId xmlns:a16="http://schemas.microsoft.com/office/drawing/2014/main" id="{65A32D16-E7D2-23D4-8CC5-8D08CB215F72}"/>
               </a:ext>
             </a:extLst>
           </p:cNvPr>
@@ -252,7 +252,7 @@
           <a:bodyPr/>
           <a:lstStyle/>
           <a:p>
-            <a:fld id="{A3664FA1-566A-46F1-911A-2F8C2F7D0B21}" type="datetimeFigureOut">
+            <a:fld id="{52BCAB1D-AC35-4D2F-9578-F7047386A6A4}" type="datetimeFigureOut">
               <a:rPr lang="zh-CN" altLang="en-US" smtClean="0"/>
               <a:t>2024/3/10</a:t>
             </a:fld>
@@ -265,7 +265,7 @@
           <p:cNvPr id="5" name="页脚占位符 4">
             <a:extLst>
               <a:ext uri="{FF2B5EF4-FFF2-40B4-BE49-F238E27FC236}">
-                <a16:creationId xmlns:a16="http://schemas.microsoft.com/office/drawing/2014/main" id="{220872E4-BA19-EB8B-A5AC-98E3838E7C47}"/>
+                <a16:creationId xmlns:a16="http://schemas.microsoft.com/office/drawing/2014/main" id="{67251F26-ABE0-56DB-2714-732DE85E2B50}"/>
               </a:ext>
             </a:extLst>
           </p:cNvPr>
@@ -290,7 +290,7 @@
           <p:cNvPr id="6" name="灯片编号占位符 5">
             <a:extLst>
               <a:ext uri="{FF2B5EF4-FFF2-40B4-BE49-F238E27FC236}">
-                <a16:creationId xmlns:a16="http://schemas.microsoft.com/office/drawing/2014/main" id="{813C51C2-7D34-4A32-4725-5B4AE46E463A}"/>
+                <a16:creationId xmlns:a16="http://schemas.microsoft.com/office/drawing/2014/main" id="{8EBD70E1-13BF-C874-EC32-DE7B6E7F3F04}"/>
               </a:ext>
             </a:extLst>
           </p:cNvPr>
@@ -306,7 +306,7 @@
           <a:bodyPr/>
           <a:lstStyle/>
           <a:p>
-            <a:fld id="{7748E022-C1EB-480A-913A-58046B6E5AAB}" type="slidenum">
+            <a:fld id="{40932926-5238-4F1B-91C9-C54F5D86BCDC}" type="slidenum">
               <a:rPr lang="zh-CN" altLang="en-US" smtClean="0"/>
               <a:t>‹#›</a:t>
             </a:fld>
@@ -317,7 +317,7 @@
     </p:spTree>
     <p:extLst>
       <p:ext uri="{BB962C8B-B14F-4D97-AF65-F5344CB8AC3E}">
-        <p14:creationId xmlns:p14="http://schemas.microsoft.com/office/powerpoint/2010/main" val="2833536826"/>
+        <p14:creationId xmlns:p14="http://schemas.microsoft.com/office/powerpoint/2010/main" val="4187166275"/>
       </p:ext>
     </p:extLst>
   </p:cSld>
@@ -349,7 +349,7 @@
           <p:cNvPr id="2" name="标题 1">
             <a:extLst>
               <a:ext uri="{FF2B5EF4-FFF2-40B4-BE49-F238E27FC236}">
-                <a16:creationId xmlns:a16="http://schemas.microsoft.com/office/drawing/2014/main" id="{B8341F74-673F-A758-9DFA-5D61F8450FA5}"/>
+                <a16:creationId xmlns:a16="http://schemas.microsoft.com/office/drawing/2014/main" id="{983A0DCC-FA1E-379D-EB48-233C0F145816}"/>
               </a:ext>
             </a:extLst>
           </p:cNvPr>
@@ -377,7 +377,7 @@
           <p:cNvPr id="3" name="竖排文字占位符 2">
             <a:extLst>
               <a:ext uri="{FF2B5EF4-FFF2-40B4-BE49-F238E27FC236}">
-                <a16:creationId xmlns:a16="http://schemas.microsoft.com/office/drawing/2014/main" id="{A4A9D971-D64D-A363-E595-3459AE8E4C6D}"/>
+                <a16:creationId xmlns:a16="http://schemas.microsoft.com/office/drawing/2014/main" id="{708669D5-8BD3-D49D-ECD5-C784354E3113}"/>
               </a:ext>
             </a:extLst>
           </p:cNvPr>
@@ -434,7 +434,7 @@
           <p:cNvPr id="4" name="日期占位符 3">
             <a:extLst>
               <a:ext uri="{FF2B5EF4-FFF2-40B4-BE49-F238E27FC236}">
-                <a16:creationId xmlns:a16="http://schemas.microsoft.com/office/drawing/2014/main" id="{F625DA14-3B12-39B8-25D9-4F82550B6377}"/>
+                <a16:creationId xmlns:a16="http://schemas.microsoft.com/office/drawing/2014/main" id="{146ADE78-CEF7-58E1-6F21-52395C9C5B44}"/>
               </a:ext>
             </a:extLst>
           </p:cNvPr>
@@ -450,7 +450,7 @@
           <a:bodyPr/>
           <a:lstStyle/>
           <a:p>
-            <a:fld id="{A3664FA1-566A-46F1-911A-2F8C2F7D0B21}" type="datetimeFigureOut">
+            <a:fld id="{52BCAB1D-AC35-4D2F-9578-F7047386A6A4}" type="datetimeFigureOut">
               <a:rPr lang="zh-CN" altLang="en-US" smtClean="0"/>
               <a:t>2024/3/10</a:t>
             </a:fld>
@@ -463,7 +463,7 @@
           <p:cNvPr id="5" name="页脚占位符 4">
             <a:extLst>
               <a:ext uri="{FF2B5EF4-FFF2-40B4-BE49-F238E27FC236}">
-                <a16:creationId xmlns:a16="http://schemas.microsoft.com/office/drawing/2014/main" id="{B1306CF8-AC17-26C9-4EF1-5BAEB99C87BC}"/>
+                <a16:creationId xmlns:a16="http://schemas.microsoft.com/office/drawing/2014/main" id="{56EC540A-E244-9CE7-AC2A-FEF2563A5B65}"/>
               </a:ext>
             </a:extLst>
           </p:cNvPr>
@@ -488,7 +488,7 @@
           <p:cNvPr id="6" name="灯片编号占位符 5">
             <a:extLst>
               <a:ext uri="{FF2B5EF4-FFF2-40B4-BE49-F238E27FC236}">
-                <a16:creationId xmlns:a16="http://schemas.microsoft.com/office/drawing/2014/main" id="{C787A69F-50FB-25CA-9794-0621CA58487C}"/>
+                <a16:creationId xmlns:a16="http://schemas.microsoft.com/office/drawing/2014/main" id="{2DEBA539-40F9-29BD-08C8-8E2D0A162B0C}"/>
               </a:ext>
             </a:extLst>
           </p:cNvPr>
@@ -504,7 +504,7 @@
           <a:bodyPr/>
           <a:lstStyle/>
           <a:p>
-            <a:fld id="{7748E022-C1EB-480A-913A-58046B6E5AAB}" type="slidenum">
+            <a:fld id="{40932926-5238-4F1B-91C9-C54F5D86BCDC}" type="slidenum">
               <a:rPr lang="zh-CN" altLang="en-US" smtClean="0"/>
               <a:t>‹#›</a:t>
             </a:fld>
@@ -515,7 +515,7 @@
     </p:spTree>
     <p:extLst>
       <p:ext uri="{BB962C8B-B14F-4D97-AF65-F5344CB8AC3E}">
-        <p14:creationId xmlns:p14="http://schemas.microsoft.com/office/powerpoint/2010/main" val="3331781065"/>
+        <p14:creationId xmlns:p14="http://schemas.microsoft.com/office/powerpoint/2010/main" val="299927227"/>
       </p:ext>
     </p:extLst>
   </p:cSld>
@@ -547,7 +547,7 @@
           <p:cNvPr id="2" name="竖排标题 1">
             <a:extLst>
               <a:ext uri="{FF2B5EF4-FFF2-40B4-BE49-F238E27FC236}">
-                <a16:creationId xmlns:a16="http://schemas.microsoft.com/office/drawing/2014/main" id="{5605DAF7-500E-4206-D546-02FC1AAE1017}"/>
+                <a16:creationId xmlns:a16="http://schemas.microsoft.com/office/drawing/2014/main" id="{3ABB8BB9-AAFE-2554-9B5B-A7B137940CF4}"/>
               </a:ext>
             </a:extLst>
           </p:cNvPr>
@@ -580,7 +580,7 @@
           <p:cNvPr id="3" name="竖排文字占位符 2">
             <a:extLst>
               <a:ext uri="{FF2B5EF4-FFF2-40B4-BE49-F238E27FC236}">
-                <a16:creationId xmlns:a16="http://schemas.microsoft.com/office/drawing/2014/main" id="{AD9C1BCB-B485-F7C5-BBA3-89473AE0E666}"/>
+                <a16:creationId xmlns:a16="http://schemas.microsoft.com/office/drawing/2014/main" id="{8FDD1E44-F524-7821-2B8F-B07C8EE229EB}"/>
               </a:ext>
             </a:extLst>
           </p:cNvPr>
@@ -642,7 +642,7 @@
           <p:cNvPr id="4" name="日期占位符 3">
             <a:extLst>
               <a:ext uri="{FF2B5EF4-FFF2-40B4-BE49-F238E27FC236}">
-                <a16:creationId xmlns:a16="http://schemas.microsoft.com/office/drawing/2014/main" id="{FA7662D8-2D19-6949-31AD-307E195AEC41}"/>
+                <a16:creationId xmlns:a16="http://schemas.microsoft.com/office/drawing/2014/main" id="{45EB20D0-FC1E-12F1-31AD-C9A3F1850CCF}"/>
               </a:ext>
             </a:extLst>
           </p:cNvPr>
@@ -658,7 +658,7 @@
           <a:bodyPr/>
           <a:lstStyle/>
           <a:p>
-            <a:fld id="{A3664FA1-566A-46F1-911A-2F8C2F7D0B21}" type="datetimeFigureOut">
+            <a:fld id="{52BCAB1D-AC35-4D2F-9578-F7047386A6A4}" type="datetimeFigureOut">
               <a:rPr lang="zh-CN" altLang="en-US" smtClean="0"/>
               <a:t>2024/3/10</a:t>
             </a:fld>
@@ -671,7 +671,7 @@
           <p:cNvPr id="5" name="页脚占位符 4">
             <a:extLst>
               <a:ext uri="{FF2B5EF4-FFF2-40B4-BE49-F238E27FC236}">
-                <a16:creationId xmlns:a16="http://schemas.microsoft.com/office/drawing/2014/main" id="{8F10270C-9C36-F31B-D006-9771BB24EBE2}"/>
+                <a16:creationId xmlns:a16="http://schemas.microsoft.com/office/drawing/2014/main" id="{CDD700F3-433B-235F-E909-8459D8BC679F}"/>
               </a:ext>
             </a:extLst>
           </p:cNvPr>
@@ -696,7 +696,7 @@
           <p:cNvPr id="6" name="灯片编号占位符 5">
             <a:extLst>
               <a:ext uri="{FF2B5EF4-FFF2-40B4-BE49-F238E27FC236}">
-                <a16:creationId xmlns:a16="http://schemas.microsoft.com/office/drawing/2014/main" id="{FEF9CF15-E765-3559-D165-1D30849256EC}"/>
+                <a16:creationId xmlns:a16="http://schemas.microsoft.com/office/drawing/2014/main" id="{4BA6417D-5785-1867-0877-65381E4FD56A}"/>
               </a:ext>
             </a:extLst>
           </p:cNvPr>
@@ -712,7 +712,7 @@
           <a:bodyPr/>
           <a:lstStyle/>
           <a:p>
-            <a:fld id="{7748E022-C1EB-480A-913A-58046B6E5AAB}" type="slidenum">
+            <a:fld id="{40932926-5238-4F1B-91C9-C54F5D86BCDC}" type="slidenum">
               <a:rPr lang="zh-CN" altLang="en-US" smtClean="0"/>
               <a:t>‹#›</a:t>
             </a:fld>
@@ -723,7 +723,7 @@
     </p:spTree>
     <p:extLst>
       <p:ext uri="{BB962C8B-B14F-4D97-AF65-F5344CB8AC3E}">
-        <p14:creationId xmlns:p14="http://schemas.microsoft.com/office/powerpoint/2010/main" val="1683647502"/>
+        <p14:creationId xmlns:p14="http://schemas.microsoft.com/office/powerpoint/2010/main" val="972576313"/>
       </p:ext>
     </p:extLst>
   </p:cSld>
@@ -755,7 +755,7 @@
           <p:cNvPr id="2" name="标题 1">
             <a:extLst>
               <a:ext uri="{FF2B5EF4-FFF2-40B4-BE49-F238E27FC236}">
-                <a16:creationId xmlns:a16="http://schemas.microsoft.com/office/drawing/2014/main" id="{216481CB-D6DD-B562-B344-A3C910B138D6}"/>
+                <a16:creationId xmlns:a16="http://schemas.microsoft.com/office/drawing/2014/main" id="{F6684393-4BC2-9AAE-F3A0-79614E79DA19}"/>
               </a:ext>
             </a:extLst>
           </p:cNvPr>
@@ -783,7 +783,7 @@
           <p:cNvPr id="3" name="内容占位符 2">
             <a:extLst>
               <a:ext uri="{FF2B5EF4-FFF2-40B4-BE49-F238E27FC236}">
-                <a16:creationId xmlns:a16="http://schemas.microsoft.com/office/drawing/2014/main" id="{CBD0E8AF-7D8D-0363-CCFB-A72A29D5C8A9}"/>
+                <a16:creationId xmlns:a16="http://schemas.microsoft.com/office/drawing/2014/main" id="{45E27C93-C19F-0714-E2C4-6070117921EC}"/>
               </a:ext>
             </a:extLst>
           </p:cNvPr>
@@ -840,7 +840,7 @@
           <p:cNvPr id="4" name="日期占位符 3">
             <a:extLst>
               <a:ext uri="{FF2B5EF4-FFF2-40B4-BE49-F238E27FC236}">
-                <a16:creationId xmlns:a16="http://schemas.microsoft.com/office/drawing/2014/main" id="{948E4112-C0C8-095B-D776-23620062D494}"/>
+                <a16:creationId xmlns:a16="http://schemas.microsoft.com/office/drawing/2014/main" id="{CC7C83C8-CBE6-3C00-9126-27BC7FEA70A2}"/>
               </a:ext>
             </a:extLst>
           </p:cNvPr>
@@ -856,7 +856,7 @@
           <a:bodyPr/>
           <a:lstStyle/>
           <a:p>
-            <a:fld id="{A3664FA1-566A-46F1-911A-2F8C2F7D0B21}" type="datetimeFigureOut">
+            <a:fld id="{52BCAB1D-AC35-4D2F-9578-F7047386A6A4}" type="datetimeFigureOut">
               <a:rPr lang="zh-CN" altLang="en-US" smtClean="0"/>
               <a:t>2024/3/10</a:t>
             </a:fld>
@@ -869,7 +869,7 @@
           <p:cNvPr id="5" name="页脚占位符 4">
             <a:extLst>
               <a:ext uri="{FF2B5EF4-FFF2-40B4-BE49-F238E27FC236}">
-                <a16:creationId xmlns:a16="http://schemas.microsoft.com/office/drawing/2014/main" id="{4CF0176A-0D7F-D48E-B213-73C96A21B10E}"/>
+                <a16:creationId xmlns:a16="http://schemas.microsoft.com/office/drawing/2014/main" id="{B0B1A565-CDD9-13AA-FF3E-D378180C7122}"/>
               </a:ext>
             </a:extLst>
           </p:cNvPr>
@@ -894,7 +894,7 @@
           <p:cNvPr id="6" name="灯片编号占位符 5">
             <a:extLst>
               <a:ext uri="{FF2B5EF4-FFF2-40B4-BE49-F238E27FC236}">
-                <a16:creationId xmlns:a16="http://schemas.microsoft.com/office/drawing/2014/main" id="{4EA39E1A-DC69-3C9B-ED3C-A2EE3FAEF711}"/>
+                <a16:creationId xmlns:a16="http://schemas.microsoft.com/office/drawing/2014/main" id="{E4252FA0-E1C1-3820-131C-B20D43C4B974}"/>
               </a:ext>
             </a:extLst>
           </p:cNvPr>
@@ -910,7 +910,7 @@
           <a:bodyPr/>
           <a:lstStyle/>
           <a:p>
-            <a:fld id="{7748E022-C1EB-480A-913A-58046B6E5AAB}" type="slidenum">
+            <a:fld id="{40932926-5238-4F1B-91C9-C54F5D86BCDC}" type="slidenum">
               <a:rPr lang="zh-CN" altLang="en-US" smtClean="0"/>
               <a:t>‹#›</a:t>
             </a:fld>
@@ -921,7 +921,7 @@
     </p:spTree>
     <p:extLst>
       <p:ext uri="{BB962C8B-B14F-4D97-AF65-F5344CB8AC3E}">
-        <p14:creationId xmlns:p14="http://schemas.microsoft.com/office/powerpoint/2010/main" val="2536155189"/>
+        <p14:creationId xmlns:p14="http://schemas.microsoft.com/office/powerpoint/2010/main" val="3967948891"/>
       </p:ext>
     </p:extLst>
   </p:cSld>
@@ -953,7 +953,7 @@
           <p:cNvPr id="2" name="标题 1">
             <a:extLst>
               <a:ext uri="{FF2B5EF4-FFF2-40B4-BE49-F238E27FC236}">
-                <a16:creationId xmlns:a16="http://schemas.microsoft.com/office/drawing/2014/main" id="{B4853025-1A4A-8A0C-0B1E-47816988DBBC}"/>
+                <a16:creationId xmlns:a16="http://schemas.microsoft.com/office/drawing/2014/main" id="{6C31FAED-D32B-ADBC-989A-95B132F624CE}"/>
               </a:ext>
             </a:extLst>
           </p:cNvPr>
@@ -990,7 +990,7 @@
           <p:cNvPr id="3" name="文本占位符 2">
             <a:extLst>
               <a:ext uri="{FF2B5EF4-FFF2-40B4-BE49-F238E27FC236}">
-                <a16:creationId xmlns:a16="http://schemas.microsoft.com/office/drawing/2014/main" id="{A57E05C7-3835-375D-5D73-FE4262B27A4D}"/>
+                <a16:creationId xmlns:a16="http://schemas.microsoft.com/office/drawing/2014/main" id="{CD965DB5-2CD9-CF53-BCC3-A5315512C71D}"/>
               </a:ext>
             </a:extLst>
           </p:cNvPr>
@@ -1115,7 +1115,7 @@
           <p:cNvPr id="4" name="日期占位符 3">
             <a:extLst>
               <a:ext uri="{FF2B5EF4-FFF2-40B4-BE49-F238E27FC236}">
-                <a16:creationId xmlns:a16="http://schemas.microsoft.com/office/drawing/2014/main" id="{EB8092BA-F327-AAA6-DD55-A9436DE12C16}"/>
+                <a16:creationId xmlns:a16="http://schemas.microsoft.com/office/drawing/2014/main" id="{3A0BDDAE-8E48-0554-0417-33A447EADE55}"/>
               </a:ext>
             </a:extLst>
           </p:cNvPr>
@@ -1131,7 +1131,7 @@
           <a:bodyPr/>
           <a:lstStyle/>
           <a:p>
-            <a:fld id="{A3664FA1-566A-46F1-911A-2F8C2F7D0B21}" type="datetimeFigureOut">
+            <a:fld id="{52BCAB1D-AC35-4D2F-9578-F7047386A6A4}" type="datetimeFigureOut">
               <a:rPr lang="zh-CN" altLang="en-US" smtClean="0"/>
               <a:t>2024/3/10</a:t>
             </a:fld>
@@ -1144,7 +1144,7 @@
           <p:cNvPr id="5" name="页脚占位符 4">
             <a:extLst>
               <a:ext uri="{FF2B5EF4-FFF2-40B4-BE49-F238E27FC236}">
-                <a16:creationId xmlns:a16="http://schemas.microsoft.com/office/drawing/2014/main" id="{1A17A6B3-C161-DB23-F0F0-6E4198239C22}"/>
+                <a16:creationId xmlns:a16="http://schemas.microsoft.com/office/drawing/2014/main" id="{0DB6BE1C-D902-8485-5D5C-E1C2133DFA14}"/>
               </a:ext>
             </a:extLst>
           </p:cNvPr>
@@ -1169,7 +1169,7 @@
           <p:cNvPr id="6" name="灯片编号占位符 5">
             <a:extLst>
               <a:ext uri="{FF2B5EF4-FFF2-40B4-BE49-F238E27FC236}">
-                <a16:creationId xmlns:a16="http://schemas.microsoft.com/office/drawing/2014/main" id="{5D8CAFC7-F7CE-8FBA-819F-1FBD74FD4A47}"/>
+                <a16:creationId xmlns:a16="http://schemas.microsoft.com/office/drawing/2014/main" id="{EA8A16B7-E3C6-C3DC-3577-0FEAF40303A6}"/>
               </a:ext>
             </a:extLst>
           </p:cNvPr>
@@ -1185,7 +1185,7 @@
           <a:bodyPr/>
           <a:lstStyle/>
           <a:p>
-            <a:fld id="{7748E022-C1EB-480A-913A-58046B6E5AAB}" type="slidenum">
+            <a:fld id="{40932926-5238-4F1B-91C9-C54F5D86BCDC}" type="slidenum">
               <a:rPr lang="zh-CN" altLang="en-US" smtClean="0"/>
               <a:t>‹#›</a:t>
             </a:fld>
@@ -1196,7 +1196,7 @@
     </p:spTree>
     <p:extLst>
       <p:ext uri="{BB962C8B-B14F-4D97-AF65-F5344CB8AC3E}">
-        <p14:creationId xmlns:p14="http://schemas.microsoft.com/office/powerpoint/2010/main" val="2395469373"/>
+        <p14:creationId xmlns:p14="http://schemas.microsoft.com/office/powerpoint/2010/main" val="2849922550"/>
       </p:ext>
     </p:extLst>
   </p:cSld>
@@ -1228,7 +1228,7 @@
           <p:cNvPr id="2" name="标题 1">
             <a:extLst>
               <a:ext uri="{FF2B5EF4-FFF2-40B4-BE49-F238E27FC236}">
-                <a16:creationId xmlns:a16="http://schemas.microsoft.com/office/drawing/2014/main" id="{9573644E-C056-D00D-F02E-5F3889672D92}"/>
+                <a16:creationId xmlns:a16="http://schemas.microsoft.com/office/drawing/2014/main" id="{DD5C5AF3-9C7F-3409-72A8-B93E50D17164}"/>
               </a:ext>
             </a:extLst>
           </p:cNvPr>
@@ -1256,7 +1256,7 @@
           <p:cNvPr id="3" name="内容占位符 2">
             <a:extLst>
               <a:ext uri="{FF2B5EF4-FFF2-40B4-BE49-F238E27FC236}">
-                <a16:creationId xmlns:a16="http://schemas.microsoft.com/office/drawing/2014/main" id="{40523296-A048-57C5-7068-7B4E22A57B9D}"/>
+                <a16:creationId xmlns:a16="http://schemas.microsoft.com/office/drawing/2014/main" id="{4234E2C8-BF72-F0AF-AACE-D44C56D6E531}"/>
               </a:ext>
             </a:extLst>
           </p:cNvPr>
@@ -1318,7 +1318,7 @@
           <p:cNvPr id="4" name="内容占位符 3">
             <a:extLst>
               <a:ext uri="{FF2B5EF4-FFF2-40B4-BE49-F238E27FC236}">
-                <a16:creationId xmlns:a16="http://schemas.microsoft.com/office/drawing/2014/main" id="{6747A4DB-53D3-DEFD-05B4-F16313146560}"/>
+                <a16:creationId xmlns:a16="http://schemas.microsoft.com/office/drawing/2014/main" id="{F185FF87-61AD-F6AB-0917-18F18C4F5EF6}"/>
               </a:ext>
             </a:extLst>
           </p:cNvPr>
@@ -1380,7 +1380,7 @@
           <p:cNvPr id="5" name="日期占位符 4">
             <a:extLst>
               <a:ext uri="{FF2B5EF4-FFF2-40B4-BE49-F238E27FC236}">
-                <a16:creationId xmlns:a16="http://schemas.microsoft.com/office/drawing/2014/main" id="{09D530CA-F45A-D454-F463-9136E073A731}"/>
+                <a16:creationId xmlns:a16="http://schemas.microsoft.com/office/drawing/2014/main" id="{91442A41-15F4-9F66-1ED1-64B0704A7C35}"/>
               </a:ext>
             </a:extLst>
           </p:cNvPr>
@@ -1396,7 +1396,7 @@
           <a:bodyPr/>
           <a:lstStyle/>
           <a:p>
-            <a:fld id="{A3664FA1-566A-46F1-911A-2F8C2F7D0B21}" type="datetimeFigureOut">
+            <a:fld id="{52BCAB1D-AC35-4D2F-9578-F7047386A6A4}" type="datetimeFigureOut">
               <a:rPr lang="zh-CN" altLang="en-US" smtClean="0"/>
               <a:t>2024/3/10</a:t>
             </a:fld>
@@ -1409,7 +1409,7 @@
           <p:cNvPr id="6" name="页脚占位符 5">
             <a:extLst>
               <a:ext uri="{FF2B5EF4-FFF2-40B4-BE49-F238E27FC236}">
-                <a16:creationId xmlns:a16="http://schemas.microsoft.com/office/drawing/2014/main" id="{B51B241F-1E5E-268F-2097-211AAE9A643C}"/>
+                <a16:creationId xmlns:a16="http://schemas.microsoft.com/office/drawing/2014/main" id="{5BF9909B-FE67-4BD2-4F2D-0F94981EECCA}"/>
               </a:ext>
             </a:extLst>
           </p:cNvPr>
@@ -1434,7 +1434,7 @@
           <p:cNvPr id="7" name="灯片编号占位符 6">
             <a:extLst>
               <a:ext uri="{FF2B5EF4-FFF2-40B4-BE49-F238E27FC236}">
-                <a16:creationId xmlns:a16="http://schemas.microsoft.com/office/drawing/2014/main" id="{F0AFDBD5-F6A0-D1CC-6C61-F7132A1150AF}"/>
+                <a16:creationId xmlns:a16="http://schemas.microsoft.com/office/drawing/2014/main" id="{DD2F221D-E668-340C-BE6F-392E9C2E4D5D}"/>
               </a:ext>
             </a:extLst>
           </p:cNvPr>
@@ -1450,7 +1450,7 @@
           <a:bodyPr/>
           <a:lstStyle/>
           <a:p>
-            <a:fld id="{7748E022-C1EB-480A-913A-58046B6E5AAB}" type="slidenum">
+            <a:fld id="{40932926-5238-4F1B-91C9-C54F5D86BCDC}" type="slidenum">
               <a:rPr lang="zh-CN" altLang="en-US" smtClean="0"/>
               <a:t>‹#›</a:t>
             </a:fld>
@@ -1461,7 +1461,7 @@
     </p:spTree>
     <p:extLst>
       <p:ext uri="{BB962C8B-B14F-4D97-AF65-F5344CB8AC3E}">
-        <p14:creationId xmlns:p14="http://schemas.microsoft.com/office/powerpoint/2010/main" val="2973607225"/>
+        <p14:creationId xmlns:p14="http://schemas.microsoft.com/office/powerpoint/2010/main" val="2946424842"/>
       </p:ext>
     </p:extLst>
   </p:cSld>
@@ -1493,7 +1493,7 @@
           <p:cNvPr id="2" name="标题 1">
             <a:extLst>
               <a:ext uri="{FF2B5EF4-FFF2-40B4-BE49-F238E27FC236}">
-                <a16:creationId xmlns:a16="http://schemas.microsoft.com/office/drawing/2014/main" id="{678DB824-BED4-AB54-848D-A25EA155ECB7}"/>
+                <a16:creationId xmlns:a16="http://schemas.microsoft.com/office/drawing/2014/main" id="{788F675B-B5AE-CE2D-AE0A-61E7FD3C4EFE}"/>
               </a:ext>
             </a:extLst>
           </p:cNvPr>
@@ -1526,7 +1526,7 @@
           <p:cNvPr id="3" name="文本占位符 2">
             <a:extLst>
               <a:ext uri="{FF2B5EF4-FFF2-40B4-BE49-F238E27FC236}">
-                <a16:creationId xmlns:a16="http://schemas.microsoft.com/office/drawing/2014/main" id="{25F513ED-8513-C9E7-9CC9-4254918CE30D}"/>
+                <a16:creationId xmlns:a16="http://schemas.microsoft.com/office/drawing/2014/main" id="{87A2073F-691D-F349-2123-E19E20F97C0E}"/>
               </a:ext>
             </a:extLst>
           </p:cNvPr>
@@ -1597,7 +1597,7 @@
           <p:cNvPr id="4" name="内容占位符 3">
             <a:extLst>
               <a:ext uri="{FF2B5EF4-FFF2-40B4-BE49-F238E27FC236}">
-                <a16:creationId xmlns:a16="http://schemas.microsoft.com/office/drawing/2014/main" id="{429F7B3D-915E-5012-3629-44B0588D9991}"/>
+                <a16:creationId xmlns:a16="http://schemas.microsoft.com/office/drawing/2014/main" id="{D6CE66FB-4253-D2D4-4A00-9E18E3113E5F}"/>
               </a:ext>
             </a:extLst>
           </p:cNvPr>
@@ -1659,7 +1659,7 @@
           <p:cNvPr id="5" name="文本占位符 4">
             <a:extLst>
               <a:ext uri="{FF2B5EF4-FFF2-40B4-BE49-F238E27FC236}">
-                <a16:creationId xmlns:a16="http://schemas.microsoft.com/office/drawing/2014/main" id="{C047F396-287F-DBAD-B052-41243DB34D2D}"/>
+                <a16:creationId xmlns:a16="http://schemas.microsoft.com/office/drawing/2014/main" id="{6770445C-3A73-F6BF-D07C-37FD40710EB0}"/>
               </a:ext>
             </a:extLst>
           </p:cNvPr>
@@ -1730,7 +1730,7 @@
           <p:cNvPr id="6" name="内容占位符 5">
             <a:extLst>
               <a:ext uri="{FF2B5EF4-FFF2-40B4-BE49-F238E27FC236}">
-                <a16:creationId xmlns:a16="http://schemas.microsoft.com/office/drawing/2014/main" id="{E0672579-3ED8-FC86-4FF0-3167E858AE20}"/>
+                <a16:creationId xmlns:a16="http://schemas.microsoft.com/office/drawing/2014/main" id="{15FAF413-D111-EFB3-D650-5673F1E8269A}"/>
               </a:ext>
             </a:extLst>
           </p:cNvPr>
@@ -1792,7 +1792,7 @@
           <p:cNvPr id="7" name="日期占位符 6">
             <a:extLst>
               <a:ext uri="{FF2B5EF4-FFF2-40B4-BE49-F238E27FC236}">
-                <a16:creationId xmlns:a16="http://schemas.microsoft.com/office/drawing/2014/main" id="{768AAE28-5BD5-5074-3DD5-1C47DA55ED30}"/>
+                <a16:creationId xmlns:a16="http://schemas.microsoft.com/office/drawing/2014/main" id="{3551D267-BE81-5B24-D6AC-2313660AB238}"/>
               </a:ext>
             </a:extLst>
           </p:cNvPr>
@@ -1808,7 +1808,7 @@
           <a:bodyPr/>
           <a:lstStyle/>
           <a:p>
-            <a:fld id="{A3664FA1-566A-46F1-911A-2F8C2F7D0B21}" type="datetimeFigureOut">
+            <a:fld id="{52BCAB1D-AC35-4D2F-9578-F7047386A6A4}" type="datetimeFigureOut">
               <a:rPr lang="zh-CN" altLang="en-US" smtClean="0"/>
               <a:t>2024/3/10</a:t>
             </a:fld>
@@ -1821,7 +1821,7 @@
           <p:cNvPr id="8" name="页脚占位符 7">
             <a:extLst>
               <a:ext uri="{FF2B5EF4-FFF2-40B4-BE49-F238E27FC236}">
-                <a16:creationId xmlns:a16="http://schemas.microsoft.com/office/drawing/2014/main" id="{A9EE11B5-5DEA-B63C-3711-814DBE23D4CE}"/>
+                <a16:creationId xmlns:a16="http://schemas.microsoft.com/office/drawing/2014/main" id="{AB962457-8C8C-6964-4731-16868644021A}"/>
               </a:ext>
             </a:extLst>
           </p:cNvPr>
@@ -1846,7 +1846,7 @@
           <p:cNvPr id="9" name="灯片编号占位符 8">
             <a:extLst>
               <a:ext uri="{FF2B5EF4-FFF2-40B4-BE49-F238E27FC236}">
-                <a16:creationId xmlns:a16="http://schemas.microsoft.com/office/drawing/2014/main" id="{B04AD44B-7CFB-5CA2-ACD5-7F9B756322EC}"/>
+                <a16:creationId xmlns:a16="http://schemas.microsoft.com/office/drawing/2014/main" id="{21E32144-5E96-4769-3ADD-9C872ADD1440}"/>
               </a:ext>
             </a:extLst>
           </p:cNvPr>
@@ -1862,7 +1862,7 @@
           <a:bodyPr/>
           <a:lstStyle/>
           <a:p>
-            <a:fld id="{7748E022-C1EB-480A-913A-58046B6E5AAB}" type="slidenum">
+            <a:fld id="{40932926-5238-4F1B-91C9-C54F5D86BCDC}" type="slidenum">
               <a:rPr lang="zh-CN" altLang="en-US" smtClean="0"/>
               <a:t>‹#›</a:t>
             </a:fld>
@@ -1873,7 +1873,7 @@
     </p:spTree>
     <p:extLst>
       <p:ext uri="{BB962C8B-B14F-4D97-AF65-F5344CB8AC3E}">
-        <p14:creationId xmlns:p14="http://schemas.microsoft.com/office/powerpoint/2010/main" val="3442070173"/>
+        <p14:creationId xmlns:p14="http://schemas.microsoft.com/office/powerpoint/2010/main" val="3816793600"/>
       </p:ext>
     </p:extLst>
   </p:cSld>
@@ -1905,7 +1905,7 @@
           <p:cNvPr id="2" name="标题 1">
             <a:extLst>
               <a:ext uri="{FF2B5EF4-FFF2-40B4-BE49-F238E27FC236}">
-                <a16:creationId xmlns:a16="http://schemas.microsoft.com/office/drawing/2014/main" id="{9C6327F4-6275-84BB-71F7-E0C7828D7DF1}"/>
+                <a16:creationId xmlns:a16="http://schemas.microsoft.com/office/drawing/2014/main" id="{BDB61FDD-F9B8-DF06-4CDC-49F16B733A9E}"/>
               </a:ext>
             </a:extLst>
           </p:cNvPr>
@@ -1933,7 +1933,7 @@
           <p:cNvPr id="3" name="日期占位符 2">
             <a:extLst>
               <a:ext uri="{FF2B5EF4-FFF2-40B4-BE49-F238E27FC236}">
-                <a16:creationId xmlns:a16="http://schemas.microsoft.com/office/drawing/2014/main" id="{FC3E8AC7-CF41-F21D-A8AB-0BE1F8ED1ACA}"/>
+                <a16:creationId xmlns:a16="http://schemas.microsoft.com/office/drawing/2014/main" id="{3058FE2D-28F3-9DF6-1036-7849824F0F73}"/>
               </a:ext>
             </a:extLst>
           </p:cNvPr>
@@ -1949,7 +1949,7 @@
           <a:bodyPr/>
           <a:lstStyle/>
           <a:p>
-            <a:fld id="{A3664FA1-566A-46F1-911A-2F8C2F7D0B21}" type="datetimeFigureOut">
+            <a:fld id="{52BCAB1D-AC35-4D2F-9578-F7047386A6A4}" type="datetimeFigureOut">
               <a:rPr lang="zh-CN" altLang="en-US" smtClean="0"/>
               <a:t>2024/3/10</a:t>
             </a:fld>
@@ -1962,7 +1962,7 @@
           <p:cNvPr id="4" name="页脚占位符 3">
             <a:extLst>
               <a:ext uri="{FF2B5EF4-FFF2-40B4-BE49-F238E27FC236}">
-                <a16:creationId xmlns:a16="http://schemas.microsoft.com/office/drawing/2014/main" id="{97D55D47-A6D6-BD33-31C1-C98EB3A9462C}"/>
+                <a16:creationId xmlns:a16="http://schemas.microsoft.com/office/drawing/2014/main" id="{EA0A1D62-4D4F-3580-FD7D-5ED26BA9B7E8}"/>
               </a:ext>
             </a:extLst>
           </p:cNvPr>
@@ -1987,7 +1987,7 @@
           <p:cNvPr id="5" name="灯片编号占位符 4">
             <a:extLst>
               <a:ext uri="{FF2B5EF4-FFF2-40B4-BE49-F238E27FC236}">
-                <a16:creationId xmlns:a16="http://schemas.microsoft.com/office/drawing/2014/main" id="{B15B881B-3A20-6631-1691-1379FCD5EC18}"/>
+                <a16:creationId xmlns:a16="http://schemas.microsoft.com/office/drawing/2014/main" id="{57C62330-44E8-B1A5-AF3B-50FDA56C2A43}"/>
               </a:ext>
             </a:extLst>
           </p:cNvPr>
@@ -2003,7 +2003,7 @@
           <a:bodyPr/>
           <a:lstStyle/>
           <a:p>
-            <a:fld id="{7748E022-C1EB-480A-913A-58046B6E5AAB}" type="slidenum">
+            <a:fld id="{40932926-5238-4F1B-91C9-C54F5D86BCDC}" type="slidenum">
               <a:rPr lang="zh-CN" altLang="en-US" smtClean="0"/>
               <a:t>‹#›</a:t>
             </a:fld>
@@ -2014,7 +2014,7 @@
     </p:spTree>
     <p:extLst>
       <p:ext uri="{BB962C8B-B14F-4D97-AF65-F5344CB8AC3E}">
-        <p14:creationId xmlns:p14="http://schemas.microsoft.com/office/powerpoint/2010/main" val="802378465"/>
+        <p14:creationId xmlns:p14="http://schemas.microsoft.com/office/powerpoint/2010/main" val="2936352224"/>
       </p:ext>
     </p:extLst>
   </p:cSld>
@@ -2046,7 +2046,7 @@
           <p:cNvPr id="2" name="日期占位符 1">
             <a:extLst>
               <a:ext uri="{FF2B5EF4-FFF2-40B4-BE49-F238E27FC236}">
-                <a16:creationId xmlns:a16="http://schemas.microsoft.com/office/drawing/2014/main" id="{083971CD-20F5-38FB-3553-7330317411A6}"/>
+                <a16:creationId xmlns:a16="http://schemas.microsoft.com/office/drawing/2014/main" id="{350311F8-0BDB-C95C-B591-B477DD59347B}"/>
               </a:ext>
             </a:extLst>
           </p:cNvPr>
@@ -2062,7 +2062,7 @@
           <a:bodyPr/>
           <a:lstStyle/>
           <a:p>
-            <a:fld id="{A3664FA1-566A-46F1-911A-2F8C2F7D0B21}" type="datetimeFigureOut">
+            <a:fld id="{52BCAB1D-AC35-4D2F-9578-F7047386A6A4}" type="datetimeFigureOut">
               <a:rPr lang="zh-CN" altLang="en-US" smtClean="0"/>
               <a:t>2024/3/10</a:t>
             </a:fld>
@@ -2075,7 +2075,7 @@
           <p:cNvPr id="3" name="页脚占位符 2">
             <a:extLst>
               <a:ext uri="{FF2B5EF4-FFF2-40B4-BE49-F238E27FC236}">
-                <a16:creationId xmlns:a16="http://schemas.microsoft.com/office/drawing/2014/main" id="{0BBE3831-FB67-CE84-FE05-740FC1F7964C}"/>
+                <a16:creationId xmlns:a16="http://schemas.microsoft.com/office/drawing/2014/main" id="{A1DC9936-2EFD-3F65-20D1-5886631C99E4}"/>
               </a:ext>
             </a:extLst>
           </p:cNvPr>
@@ -2100,7 +2100,7 @@
           <p:cNvPr id="4" name="灯片编号占位符 3">
             <a:extLst>
               <a:ext uri="{FF2B5EF4-FFF2-40B4-BE49-F238E27FC236}">
-                <a16:creationId xmlns:a16="http://schemas.microsoft.com/office/drawing/2014/main" id="{E37A166C-BC64-9D2F-C6D4-B5906C011AD0}"/>
+                <a16:creationId xmlns:a16="http://schemas.microsoft.com/office/drawing/2014/main" id="{D3A20C1A-80EE-43CC-BC5A-E18AC4DD15AC}"/>
               </a:ext>
             </a:extLst>
           </p:cNvPr>
@@ -2116,7 +2116,7 @@
           <a:bodyPr/>
           <a:lstStyle/>
           <a:p>
-            <a:fld id="{7748E022-C1EB-480A-913A-58046B6E5AAB}" type="slidenum">
+            <a:fld id="{40932926-5238-4F1B-91C9-C54F5D86BCDC}" type="slidenum">
               <a:rPr lang="zh-CN" altLang="en-US" smtClean="0"/>
               <a:t>‹#›</a:t>
             </a:fld>
@@ -2127,7 +2127,7 @@
     </p:spTree>
     <p:extLst>
       <p:ext uri="{BB962C8B-B14F-4D97-AF65-F5344CB8AC3E}">
-        <p14:creationId xmlns:p14="http://schemas.microsoft.com/office/powerpoint/2010/main" val="2678514139"/>
+        <p14:creationId xmlns:p14="http://schemas.microsoft.com/office/powerpoint/2010/main" val="3672882896"/>
       </p:ext>
     </p:extLst>
   </p:cSld>
@@ -2159,7 +2159,7 @@
           <p:cNvPr id="2" name="标题 1">
             <a:extLst>
               <a:ext uri="{FF2B5EF4-FFF2-40B4-BE49-F238E27FC236}">
-                <a16:creationId xmlns:a16="http://schemas.microsoft.com/office/drawing/2014/main" id="{EEBE9D8D-F88C-2E49-CE95-DCB23F726ADC}"/>
+                <a16:creationId xmlns:a16="http://schemas.microsoft.com/office/drawing/2014/main" id="{38488A56-0CA3-E7BE-2FBD-8A28DD53C972}"/>
               </a:ext>
             </a:extLst>
           </p:cNvPr>
@@ -2196,7 +2196,7 @@
           <p:cNvPr id="3" name="内容占位符 2">
             <a:extLst>
               <a:ext uri="{FF2B5EF4-FFF2-40B4-BE49-F238E27FC236}">
-                <a16:creationId xmlns:a16="http://schemas.microsoft.com/office/drawing/2014/main" id="{30876FC9-EADA-B0CA-779D-FB9969C8DBF1}"/>
+                <a16:creationId xmlns:a16="http://schemas.microsoft.com/office/drawing/2014/main" id="{C0820AB4-0017-5E09-8EED-8E8010C5F58C}"/>
               </a:ext>
             </a:extLst>
           </p:cNvPr>
@@ -2286,7 +2286,7 @@
           <p:cNvPr id="4" name="文本占位符 3">
             <a:extLst>
               <a:ext uri="{FF2B5EF4-FFF2-40B4-BE49-F238E27FC236}">
-                <a16:creationId xmlns:a16="http://schemas.microsoft.com/office/drawing/2014/main" id="{7FFC81B4-57BF-AE59-BF27-AE69E6BC792A}"/>
+                <a16:creationId xmlns:a16="http://schemas.microsoft.com/office/drawing/2014/main" id="{AE1A0AB4-CA6C-7800-C733-AF997DF6DC98}"/>
               </a:ext>
             </a:extLst>
           </p:cNvPr>
@@ -2357,7 +2357,7 @@
           <p:cNvPr id="5" name="日期占位符 4">
             <a:extLst>
               <a:ext uri="{FF2B5EF4-FFF2-40B4-BE49-F238E27FC236}">
-                <a16:creationId xmlns:a16="http://schemas.microsoft.com/office/drawing/2014/main" id="{171A8002-BDE8-5CFB-1C99-2F2502860271}"/>
+                <a16:creationId xmlns:a16="http://schemas.microsoft.com/office/drawing/2014/main" id="{F6FE9FCD-7FFA-FB15-FACF-6D7106EBE7B6}"/>
               </a:ext>
             </a:extLst>
           </p:cNvPr>
@@ -2373,7 +2373,7 @@
           <a:bodyPr/>
           <a:lstStyle/>
           <a:p>
-            <a:fld id="{A3664FA1-566A-46F1-911A-2F8C2F7D0B21}" type="datetimeFigureOut">
+            <a:fld id="{52BCAB1D-AC35-4D2F-9578-F7047386A6A4}" type="datetimeFigureOut">
               <a:rPr lang="zh-CN" altLang="en-US" smtClean="0"/>
               <a:t>2024/3/10</a:t>
             </a:fld>
@@ -2386,7 +2386,7 @@
           <p:cNvPr id="6" name="页脚占位符 5">
             <a:extLst>
               <a:ext uri="{FF2B5EF4-FFF2-40B4-BE49-F238E27FC236}">
-                <a16:creationId xmlns:a16="http://schemas.microsoft.com/office/drawing/2014/main" id="{B029DE64-0436-1233-D9F9-EA752CCA7D28}"/>
+                <a16:creationId xmlns:a16="http://schemas.microsoft.com/office/drawing/2014/main" id="{084322B8-C352-3585-06FC-A39726CBEF16}"/>
               </a:ext>
             </a:extLst>
           </p:cNvPr>
@@ -2411,7 +2411,7 @@
           <p:cNvPr id="7" name="灯片编号占位符 6">
             <a:extLst>
               <a:ext uri="{FF2B5EF4-FFF2-40B4-BE49-F238E27FC236}">
-                <a16:creationId xmlns:a16="http://schemas.microsoft.com/office/drawing/2014/main" id="{03C27650-7AC0-FD8B-859B-7F7B095208C2}"/>
+                <a16:creationId xmlns:a16="http://schemas.microsoft.com/office/drawing/2014/main" id="{B3CA4C2D-1A19-6005-243F-53F4C3397622}"/>
               </a:ext>
             </a:extLst>
           </p:cNvPr>
@@ -2427,7 +2427,7 @@
           <a:bodyPr/>
           <a:lstStyle/>
           <a:p>
-            <a:fld id="{7748E022-C1EB-480A-913A-58046B6E5AAB}" type="slidenum">
+            <a:fld id="{40932926-5238-4F1B-91C9-C54F5D86BCDC}" type="slidenum">
               <a:rPr lang="zh-CN" altLang="en-US" smtClean="0"/>
               <a:t>‹#›</a:t>
             </a:fld>
@@ -2438,7 +2438,7 @@
     </p:spTree>
     <p:extLst>
       <p:ext uri="{BB962C8B-B14F-4D97-AF65-F5344CB8AC3E}">
-        <p14:creationId xmlns:p14="http://schemas.microsoft.com/office/powerpoint/2010/main" val="177514201"/>
+        <p14:creationId xmlns:p14="http://schemas.microsoft.com/office/powerpoint/2010/main" val="1893446789"/>
       </p:ext>
     </p:extLst>
   </p:cSld>
@@ -2470,7 +2470,7 @@
           <p:cNvPr id="2" name="标题 1">
             <a:extLst>
               <a:ext uri="{FF2B5EF4-FFF2-40B4-BE49-F238E27FC236}">
-                <a16:creationId xmlns:a16="http://schemas.microsoft.com/office/drawing/2014/main" id="{AEB52B8E-3980-E71E-980C-32BB34F2FFB5}"/>
+                <a16:creationId xmlns:a16="http://schemas.microsoft.com/office/drawing/2014/main" id="{40ECA19B-D8BF-EA03-BA54-550D4BC14CD3}"/>
               </a:ext>
             </a:extLst>
           </p:cNvPr>
@@ -2507,7 +2507,7 @@
           <p:cNvPr id="3" name="图片占位符 2">
             <a:extLst>
               <a:ext uri="{FF2B5EF4-FFF2-40B4-BE49-F238E27FC236}">
-                <a16:creationId xmlns:a16="http://schemas.microsoft.com/office/drawing/2014/main" id="{D03AB625-9662-578B-0F16-28AF77FD0B80}"/>
+                <a16:creationId xmlns:a16="http://schemas.microsoft.com/office/drawing/2014/main" id="{24C89C22-304F-CADF-5992-3F45B8E06340}"/>
               </a:ext>
             </a:extLst>
           </p:cNvPr>
@@ -2574,7 +2574,7 @@
           <p:cNvPr id="4" name="文本占位符 3">
             <a:extLst>
               <a:ext uri="{FF2B5EF4-FFF2-40B4-BE49-F238E27FC236}">
-                <a16:creationId xmlns:a16="http://schemas.microsoft.com/office/drawing/2014/main" id="{84E62E66-5375-D793-97EC-A4CE6B01310C}"/>
+                <a16:creationId xmlns:a16="http://schemas.microsoft.com/office/drawing/2014/main" id="{593CE9E8-22CF-4ADE-88C5-691EFE0D6EA2}"/>
               </a:ext>
             </a:extLst>
           </p:cNvPr>
@@ -2645,7 +2645,7 @@
           <p:cNvPr id="5" name="日期占位符 4">
             <a:extLst>
               <a:ext uri="{FF2B5EF4-FFF2-40B4-BE49-F238E27FC236}">
-                <a16:creationId xmlns:a16="http://schemas.microsoft.com/office/drawing/2014/main" id="{597CE5C4-E773-D2A5-26F9-502E52692474}"/>
+                <a16:creationId xmlns:a16="http://schemas.microsoft.com/office/drawing/2014/main" id="{8FCE0C9A-EB80-3D6C-94FF-47502B7A309B}"/>
               </a:ext>
             </a:extLst>
           </p:cNvPr>
@@ -2661,7 +2661,7 @@
           <a:bodyPr/>
           <a:lstStyle/>
           <a:p>
-            <a:fld id="{A3664FA1-566A-46F1-911A-2F8C2F7D0B21}" type="datetimeFigureOut">
+            <a:fld id="{52BCAB1D-AC35-4D2F-9578-F7047386A6A4}" type="datetimeFigureOut">
               <a:rPr lang="zh-CN" altLang="en-US" smtClean="0"/>
               <a:t>2024/3/10</a:t>
             </a:fld>
@@ -2674,7 +2674,7 @@
           <p:cNvPr id="6" name="页脚占位符 5">
             <a:extLst>
               <a:ext uri="{FF2B5EF4-FFF2-40B4-BE49-F238E27FC236}">
-                <a16:creationId xmlns:a16="http://schemas.microsoft.com/office/drawing/2014/main" id="{986E5C1E-BF09-7FB2-8514-107F498742AE}"/>
+                <a16:creationId xmlns:a16="http://schemas.microsoft.com/office/drawing/2014/main" id="{43336FED-4CD2-AF4A-31F6-312EF5FD0B25}"/>
               </a:ext>
             </a:extLst>
           </p:cNvPr>
@@ -2699,7 +2699,7 @@
           <p:cNvPr id="7" name="灯片编号占位符 6">
             <a:extLst>
               <a:ext uri="{FF2B5EF4-FFF2-40B4-BE49-F238E27FC236}">
-                <a16:creationId xmlns:a16="http://schemas.microsoft.com/office/drawing/2014/main" id="{39E6D48B-4614-CA73-24D7-9D7D9CE0D38A}"/>
+                <a16:creationId xmlns:a16="http://schemas.microsoft.com/office/drawing/2014/main" id="{5E8693B5-6A22-10E5-12D5-BD2467EB9D9B}"/>
               </a:ext>
             </a:extLst>
           </p:cNvPr>
@@ -2715,7 +2715,7 @@
           <a:bodyPr/>
           <a:lstStyle/>
           <a:p>
-            <a:fld id="{7748E022-C1EB-480A-913A-58046B6E5AAB}" type="slidenum">
+            <a:fld id="{40932926-5238-4F1B-91C9-C54F5D86BCDC}" type="slidenum">
               <a:rPr lang="zh-CN" altLang="en-US" smtClean="0"/>
               <a:t>‹#›</a:t>
             </a:fld>
@@ -2726,7 +2726,7 @@
     </p:spTree>
     <p:extLst>
       <p:ext uri="{BB962C8B-B14F-4D97-AF65-F5344CB8AC3E}">
-        <p14:creationId xmlns:p14="http://schemas.microsoft.com/office/powerpoint/2010/main" val="3341032959"/>
+        <p14:creationId xmlns:p14="http://schemas.microsoft.com/office/powerpoint/2010/main" val="2007034353"/>
       </p:ext>
     </p:extLst>
   </p:cSld>
@@ -2763,7 +2763,7 @@
           <p:cNvPr id="2" name="标题占位符 1">
             <a:extLst>
               <a:ext uri="{FF2B5EF4-FFF2-40B4-BE49-F238E27FC236}">
-                <a16:creationId xmlns:a16="http://schemas.microsoft.com/office/drawing/2014/main" id="{72CAE365-2DB3-8FB6-BF96-1C5A3D6EA66F}"/>
+                <a16:creationId xmlns:a16="http://schemas.microsoft.com/office/drawing/2014/main" id="{13B2868D-7231-81B5-7A68-2E290045D236}"/>
               </a:ext>
             </a:extLst>
           </p:cNvPr>
@@ -2801,7 +2801,7 @@
           <p:cNvPr id="3" name="文本占位符 2">
             <a:extLst>
               <a:ext uri="{FF2B5EF4-FFF2-40B4-BE49-F238E27FC236}">
-                <a16:creationId xmlns:a16="http://schemas.microsoft.com/office/drawing/2014/main" id="{765CC7CA-A78A-575C-253F-DD7739475375}"/>
+                <a16:creationId xmlns:a16="http://schemas.microsoft.com/office/drawing/2014/main" id="{1DE747B1-D10B-045D-D7D9-2559565C2063}"/>
               </a:ext>
             </a:extLst>
           </p:cNvPr>
@@ -2868,7 +2868,7 @@
           <p:cNvPr id="4" name="日期占位符 3">
             <a:extLst>
               <a:ext uri="{FF2B5EF4-FFF2-40B4-BE49-F238E27FC236}">
-                <a16:creationId xmlns:a16="http://schemas.microsoft.com/office/drawing/2014/main" id="{62833E85-3B91-E2EE-D4E6-83AD5D59E746}"/>
+                <a16:creationId xmlns:a16="http://schemas.microsoft.com/office/drawing/2014/main" id="{635F303C-7CE9-8121-3D52-28E36E903D8F}"/>
               </a:ext>
             </a:extLst>
           </p:cNvPr>
@@ -2902,7 +2902,7 @@
             </a:lvl1pPr>
           </a:lstStyle>
           <a:p>
-            <a:fld id="{A3664FA1-566A-46F1-911A-2F8C2F7D0B21}" type="datetimeFigureOut">
+            <a:fld id="{52BCAB1D-AC35-4D2F-9578-F7047386A6A4}" type="datetimeFigureOut">
               <a:rPr lang="zh-CN" altLang="en-US" smtClean="0"/>
               <a:t>2024/3/10</a:t>
             </a:fld>
@@ -2915,7 +2915,7 @@
           <p:cNvPr id="5" name="页脚占位符 4">
             <a:extLst>
               <a:ext uri="{FF2B5EF4-FFF2-40B4-BE49-F238E27FC236}">
-                <a16:creationId xmlns:a16="http://schemas.microsoft.com/office/drawing/2014/main" id="{1627CB7F-E50E-7CDC-2FC3-617BDCCAF62C}"/>
+                <a16:creationId xmlns:a16="http://schemas.microsoft.com/office/drawing/2014/main" id="{5978325E-9372-429B-FF94-97DDD432E8F3}"/>
               </a:ext>
             </a:extLst>
           </p:cNvPr>
@@ -2958,7 +2958,7 @@
           <p:cNvPr id="6" name="灯片编号占位符 5">
             <a:extLst>
               <a:ext uri="{FF2B5EF4-FFF2-40B4-BE49-F238E27FC236}">
-                <a16:creationId xmlns:a16="http://schemas.microsoft.com/office/drawing/2014/main" id="{1E02C0A4-B039-B66F-5694-C2A036E29920}"/>
+                <a16:creationId xmlns:a16="http://schemas.microsoft.com/office/drawing/2014/main" id="{226BD14B-15F1-FA0C-DE85-C8F80C7B1E75}"/>
               </a:ext>
             </a:extLst>
           </p:cNvPr>
@@ -2992,7 +2992,7 @@
             </a:lvl1pPr>
           </a:lstStyle>
           <a:p>
-            <a:fld id="{7748E022-C1EB-480A-913A-58046B6E5AAB}" type="slidenum">
+            <a:fld id="{40932926-5238-4F1B-91C9-C54F5D86BCDC}" type="slidenum">
               <a:rPr lang="zh-CN" altLang="en-US" smtClean="0"/>
               <a:t>‹#›</a:t>
             </a:fld>
@@ -3003,7 +3003,7 @@
     </p:spTree>
     <p:extLst>
       <p:ext uri="{BB962C8B-B14F-4D97-AF65-F5344CB8AC3E}">
-        <p14:creationId xmlns:p14="http://schemas.microsoft.com/office/powerpoint/2010/main" val="1777220740"/>
+        <p14:creationId xmlns:p14="http://schemas.microsoft.com/office/powerpoint/2010/main" val="852189739"/>
       </p:ext>
     </p:extLst>
   </p:cSld>
